--- a/JavaScript/4 - Functions/Functions.pptx
+++ b/JavaScript/4 - Functions/Functions.pptx
@@ -314,7 +314,7 @@
           <a:p>
             <a:fld id="{4AAD347D-5ACD-4C99-B74B-A9C85AD731AF}" type="datetimeFigureOut">
               <a:rPr lang="en-US" dirty="0"/>
-              <a:t>1/30/2020</a:t>
+              <a:t>11/5/21</a:t>
             </a:fld>
             <a:endParaRPr lang="en-US" dirty="0"/>
           </a:p>
@@ -356,7 +356,7 @@
           <a:p>
             <a:fld id="{D57F1E4F-1CFF-5643-939E-02111984F565}" type="slidenum">
               <a:rPr lang="en-US" dirty="0"/>
-              <a:t>‹N°›</a:t>
+              <a:t>‹#›</a:t>
             </a:fld>
             <a:endParaRPr lang="en-US" dirty="0"/>
           </a:p>
@@ -584,7 +584,7 @@
           <a:p>
             <a:fld id="{4509A250-FF31-4206-8172-F9D3106AACB1}" type="datetimeFigureOut">
               <a:rPr lang="en-US" dirty="0"/>
-              <a:t>1/30/2020</a:t>
+              <a:t>11/5/21</a:t>
             </a:fld>
             <a:endParaRPr lang="en-US" dirty="0"/>
           </a:p>
@@ -626,7 +626,7 @@
           <a:p>
             <a:fld id="{D57F1E4F-1CFF-5643-939E-02111984F565}" type="slidenum">
               <a:rPr lang="en-US" dirty="0"/>
-              <a:t>‹N°›</a:t>
+              <a:t>‹#›</a:t>
             </a:fld>
             <a:endParaRPr lang="en-US" dirty="0"/>
           </a:p>
@@ -773,7 +773,7 @@
           <a:p>
             <a:fld id="{4509A250-FF31-4206-8172-F9D3106AACB1}" type="datetimeFigureOut">
               <a:rPr lang="en-US" dirty="0"/>
-              <a:t>1/30/2020</a:t>
+              <a:t>11/5/21</a:t>
             </a:fld>
             <a:endParaRPr lang="en-US" dirty="0"/>
           </a:p>
@@ -815,7 +815,7 @@
           <a:p>
             <a:fld id="{D57F1E4F-1CFF-5643-939E-02111984F565}" type="slidenum">
               <a:rPr lang="en-US" dirty="0"/>
-              <a:t>‹N°›</a:t>
+              <a:t>‹#›</a:t>
             </a:fld>
             <a:endParaRPr lang="en-US" dirty="0"/>
           </a:p>
@@ -1041,7 +1041,7 @@
           <a:p>
             <a:fld id="{4509A250-FF31-4206-8172-F9D3106AACB1}" type="datetimeFigureOut">
               <a:rPr lang="en-US" dirty="0"/>
-              <a:t>1/30/2020</a:t>
+              <a:t>11/5/21</a:t>
             </a:fld>
             <a:endParaRPr lang="en-US" dirty="0"/>
           </a:p>
@@ -1083,7 +1083,7 @@
           <a:p>
             <a:fld id="{D57F1E4F-1CFF-5643-939E-02111984F565}" type="slidenum">
               <a:rPr lang="en-US" dirty="0"/>
-              <a:t>‹N°›</a:t>
+              <a:t>‹#›</a:t>
             </a:fld>
             <a:endParaRPr lang="en-US" dirty="0"/>
           </a:p>
@@ -1377,7 +1377,7 @@
           <a:p>
             <a:fld id="{4509A250-FF31-4206-8172-F9D3106AACB1}" type="datetimeFigureOut">
               <a:rPr lang="en-US" dirty="0"/>
-              <a:t>1/30/2020</a:t>
+              <a:t>11/5/21</a:t>
             </a:fld>
             <a:endParaRPr lang="en-US" dirty="0"/>
           </a:p>
@@ -1419,7 +1419,7 @@
           <a:p>
             <a:fld id="{D57F1E4F-1CFF-5643-939E-02111984F565}" type="slidenum">
               <a:rPr lang="en-US" dirty="0"/>
-              <a:t>‹N°›</a:t>
+              <a:t>‹#›</a:t>
             </a:fld>
             <a:endParaRPr lang="en-US" dirty="0"/>
           </a:p>
@@ -1995,7 +1995,7 @@
           <a:p>
             <a:fld id="{4509A250-FF31-4206-8172-F9D3106AACB1}" type="datetimeFigureOut">
               <a:rPr lang="en-US" dirty="0"/>
-              <a:t>1/30/2020</a:t>
+              <a:t>11/5/21</a:t>
             </a:fld>
             <a:endParaRPr lang="en-US" dirty="0"/>
           </a:p>
@@ -2037,7 +2037,7 @@
           <a:p>
             <a:fld id="{D57F1E4F-1CFF-5643-939E-02111984F565}" type="slidenum">
               <a:rPr lang="en-US" dirty="0"/>
-              <a:t>‹N°›</a:t>
+              <a:t>‹#›</a:t>
             </a:fld>
             <a:endParaRPr lang="en-US" dirty="0"/>
           </a:p>
@@ -2850,7 +2850,7 @@
           <a:p>
             <a:fld id="{4509A250-FF31-4206-8172-F9D3106AACB1}" type="datetimeFigureOut">
               <a:rPr lang="en-US" dirty="0"/>
-              <a:t>1/30/2020</a:t>
+              <a:t>11/5/21</a:t>
             </a:fld>
             <a:endParaRPr lang="en-US" dirty="0"/>
           </a:p>
@@ -2892,7 +2892,7 @@
           <a:p>
             <a:fld id="{D57F1E4F-1CFF-5643-939E-02111984F565}" type="slidenum">
               <a:rPr lang="en-US" dirty="0"/>
-              <a:t>‹N°›</a:t>
+              <a:t>‹#›</a:t>
             </a:fld>
             <a:endParaRPr lang="en-US" dirty="0"/>
           </a:p>
@@ -3015,7 +3015,7 @@
           <a:p>
             <a:fld id="{4509A250-FF31-4206-8172-F9D3106AACB1}" type="datetimeFigureOut">
               <a:rPr lang="en-US" dirty="0"/>
-              <a:t>1/30/2020</a:t>
+              <a:t>11/5/21</a:t>
             </a:fld>
             <a:endParaRPr lang="en-US" dirty="0"/>
           </a:p>
@@ -3057,7 +3057,7 @@
           <a:p>
             <a:fld id="{D57F1E4F-1CFF-5643-939E-02111984F565}" type="slidenum">
               <a:rPr lang="en-US" dirty="0"/>
-              <a:t>‹N°›</a:t>
+              <a:t>‹#›</a:t>
             </a:fld>
             <a:endParaRPr lang="en-US" dirty="0"/>
           </a:p>
@@ -3190,7 +3190,7 @@
           <a:p>
             <a:fld id="{4509A250-FF31-4206-8172-F9D3106AACB1}" type="datetimeFigureOut">
               <a:rPr lang="en-US" dirty="0"/>
-              <a:t>1/30/2020</a:t>
+              <a:t>11/5/21</a:t>
             </a:fld>
             <a:endParaRPr lang="en-US" dirty="0"/>
           </a:p>
@@ -3232,7 +3232,7 @@
           <a:p>
             <a:fld id="{D57F1E4F-1CFF-5643-939E-02111984F565}" type="slidenum">
               <a:rPr lang="en-US" dirty="0"/>
-              <a:t>‹N°›</a:t>
+              <a:t>‹#›</a:t>
             </a:fld>
             <a:endParaRPr lang="en-US" dirty="0"/>
           </a:p>
@@ -3355,7 +3355,7 @@
           <a:p>
             <a:fld id="{4509A250-FF31-4206-8172-F9D3106AACB1}" type="datetimeFigureOut">
               <a:rPr lang="en-US" dirty="0"/>
-              <a:t>1/30/2020</a:t>
+              <a:t>11/5/21</a:t>
             </a:fld>
             <a:endParaRPr lang="en-US" dirty="0"/>
           </a:p>
@@ -3397,7 +3397,7 @@
           <a:p>
             <a:fld id="{D57F1E4F-1CFF-5643-939E-02111984F565}" type="slidenum">
               <a:rPr lang="en-US" dirty="0"/>
-              <a:t>‹N°›</a:t>
+              <a:t>‹#›</a:t>
             </a:fld>
             <a:endParaRPr lang="en-US" dirty="0"/>
           </a:p>
@@ -3597,7 +3597,7 @@
           <a:p>
             <a:fld id="{9796027F-7875-4030-9381-8BD8C4F21935}" type="datetimeFigureOut">
               <a:rPr lang="en-US" dirty="0"/>
-              <a:t>1/30/2020</a:t>
+              <a:t>11/5/21</a:t>
             </a:fld>
             <a:endParaRPr lang="en-US" dirty="0"/>
           </a:p>
@@ -3639,7 +3639,7 @@
           <a:p>
             <a:fld id="{D57F1E4F-1CFF-5643-939E-02111984F565}" type="slidenum">
               <a:rPr lang="en-US" dirty="0"/>
-              <a:t>‹N°›</a:t>
+              <a:t>‹#›</a:t>
             </a:fld>
             <a:endParaRPr lang="en-US" dirty="0"/>
           </a:p>
@@ -3884,7 +3884,7 @@
           <a:p>
             <a:fld id="{9796027F-7875-4030-9381-8BD8C4F21935}" type="datetimeFigureOut">
               <a:rPr lang="en-US" dirty="0"/>
-              <a:t>1/30/2020</a:t>
+              <a:t>11/5/21</a:t>
             </a:fld>
             <a:endParaRPr lang="en-US" dirty="0"/>
           </a:p>
@@ -3926,7 +3926,7 @@
           <a:p>
             <a:fld id="{D57F1E4F-1CFF-5643-939E-02111984F565}" type="slidenum">
               <a:rPr lang="en-US" dirty="0"/>
-              <a:t>‹N°›</a:t>
+              <a:t>‹#›</a:t>
             </a:fld>
             <a:endParaRPr lang="en-US" dirty="0"/>
           </a:p>
@@ -4323,7 +4323,7 @@
           <a:p>
             <a:fld id="{9796027F-7875-4030-9381-8BD8C4F21935}" type="datetimeFigureOut">
               <a:rPr lang="en-US" dirty="0"/>
-              <a:t>1/30/2020</a:t>
+              <a:t>11/5/21</a:t>
             </a:fld>
             <a:endParaRPr lang="en-US" dirty="0"/>
           </a:p>
@@ -4365,7 +4365,7 @@
           <a:p>
             <a:fld id="{D57F1E4F-1CFF-5643-939E-02111984F565}" type="slidenum">
               <a:rPr lang="en-US" dirty="0"/>
-              <a:t>‹N°›</a:t>
+              <a:t>‹#›</a:t>
             </a:fld>
             <a:endParaRPr lang="en-US" dirty="0"/>
           </a:p>
@@ -4436,7 +4436,7 @@
           <a:p>
             <a:fld id="{4509A250-FF31-4206-8172-F9D3106AACB1}" type="datetimeFigureOut">
               <a:rPr lang="en-US" dirty="0"/>
-              <a:t>1/30/2020</a:t>
+              <a:t>11/5/21</a:t>
             </a:fld>
             <a:endParaRPr lang="en-US" dirty="0"/>
           </a:p>
@@ -4478,7 +4478,7 @@
           <a:p>
             <a:fld id="{D57F1E4F-1CFF-5643-939E-02111984F565}" type="slidenum">
               <a:rPr lang="en-US" dirty="0"/>
-              <a:t>‹N°›</a:t>
+              <a:t>‹#›</a:t>
             </a:fld>
             <a:endParaRPr lang="en-US" dirty="0"/>
           </a:p>
@@ -4526,7 +4526,7 @@
           <a:p>
             <a:fld id="{4509A250-FF31-4206-8172-F9D3106AACB1}" type="datetimeFigureOut">
               <a:rPr lang="en-US" dirty="0"/>
-              <a:t>1/30/2020</a:t>
+              <a:t>11/5/21</a:t>
             </a:fld>
             <a:endParaRPr lang="en-US" dirty="0"/>
           </a:p>
@@ -4568,7 +4568,7 @@
           <a:p>
             <a:fld id="{D57F1E4F-1CFF-5643-939E-02111984F565}" type="slidenum">
               <a:rPr lang="en-US" dirty="0"/>
-              <a:t>‹N°›</a:t>
+              <a:t>‹#›</a:t>
             </a:fld>
             <a:endParaRPr lang="en-US" dirty="0"/>
           </a:p>
@@ -4800,7 +4800,7 @@
           <a:p>
             <a:fld id="{4509A250-FF31-4206-8172-F9D3106AACB1}" type="datetimeFigureOut">
               <a:rPr lang="en-US" dirty="0"/>
-              <a:t>1/30/2020</a:t>
+              <a:t>11/5/21</a:t>
             </a:fld>
             <a:endParaRPr lang="en-US" dirty="0"/>
           </a:p>
@@ -4842,7 +4842,7 @@
           <a:p>
             <a:fld id="{D57F1E4F-1CFF-5643-939E-02111984F565}" type="slidenum">
               <a:rPr lang="en-US" dirty="0"/>
-              <a:t>‹N°›</a:t>
+              <a:t>‹#›</a:t>
             </a:fld>
             <a:endParaRPr lang="en-US" dirty="0"/>
           </a:p>
@@ -5070,7 +5070,7 @@
           <a:p>
             <a:fld id="{4509A250-FF31-4206-8172-F9D3106AACB1}" type="datetimeFigureOut">
               <a:rPr lang="en-US" dirty="0"/>
-              <a:t>1/30/2020</a:t>
+              <a:t>11/5/21</a:t>
             </a:fld>
             <a:endParaRPr lang="en-US" dirty="0"/>
           </a:p>
@@ -5112,7 +5112,7 @@
           <a:p>
             <a:fld id="{D57F1E4F-1CFF-5643-939E-02111984F565}" type="slidenum">
               <a:rPr lang="en-US" dirty="0"/>
-              <a:t>‹N°›</a:t>
+              <a:t>‹#›</a:t>
             </a:fld>
             <a:endParaRPr lang="en-US" dirty="0"/>
           </a:p>
@@ -5494,7 +5494,7 @@
           <a:p>
             <a:fld id="{4AAD347D-5ACD-4C99-B74B-A9C85AD731AF}" type="datetimeFigureOut">
               <a:rPr lang="en-US" dirty="0"/>
-              <a:t>1/30/2020</a:t>
+              <a:t>11/5/21</a:t>
             </a:fld>
             <a:endParaRPr lang="en-US" dirty="0"/>
           </a:p>
@@ -5573,7 +5573,7 @@
           <a:p>
             <a:fld id="{D57F1E4F-1CFF-5643-939E-02111984F565}" type="slidenum">
               <a:rPr lang="en-US" dirty="0"/>
-              <a:t>‹N°›</a:t>
+              <a:t>‹#›</a:t>
             </a:fld>
             <a:endParaRPr lang="en-US" dirty="0"/>
           </a:p>
@@ -9446,14 +9446,15 @@
             </a:r>
           </a:p>
           <a:p>
-            <a:endParaRPr lang="fr-CA" sz="2800" dirty="0">
-              <a:latin typeface="Calibri" panose="020F0502020204030204" pitchFamily="34" charset="0"/>
-            </a:endParaRPr>
-          </a:p>
-          <a:p>
             <a:pPr marL="0" indent="0">
               <a:buNone/>
             </a:pPr>
+            <a:r>
+              <a:rPr lang="fr-CA" sz="2800" dirty="0">
+                <a:latin typeface="Calibri" panose="020F0502020204030204" pitchFamily="34" charset="0"/>
+              </a:rPr>
+              <a:t>	</a:t>
+            </a:r>
             <a:r>
               <a:rPr lang="fr-CA" sz="2800" dirty="0" err="1">
                 <a:latin typeface="Calibri" panose="020F0502020204030204" pitchFamily="34" charset="0"/>
